--- a/figures/NFV_accel.pptx
+++ b/figures/NFV_accel.pptx
@@ -104,6 +104,11 @@
       </a:defRPr>
     </a:lvl9pPr>
   </p:defaultTextStyle>
+  <p:extLst>
+    <p:ext uri="{EFAFB233-063F-42B5-8137-9DF3F51BA10A}">
+      <p15:sldGuideLst xmlns:p15="http://schemas.microsoft.com/office/powerpoint/2012/main"/>
+    </p:ext>
+  </p:extLst>
 </p:presentation>
 </file>
 
@@ -254,7 +259,7 @@
           <a:p>
             <a:fld id="{6A187DF8-8907-4C8A-A34F-FC0F6F288123}" type="datetimeFigureOut">
               <a:rPr lang="en-US" smtClean="0"/>
-              <a:t>4/18/2019</a:t>
+              <a:t>5/28/19</a:t>
             </a:fld>
             <a:endParaRPr lang="en-US"/>
           </a:p>
@@ -452,7 +457,7 @@
           <a:p>
             <a:fld id="{6A187DF8-8907-4C8A-A34F-FC0F6F288123}" type="datetimeFigureOut">
               <a:rPr lang="en-US" smtClean="0"/>
-              <a:t>4/18/2019</a:t>
+              <a:t>5/28/19</a:t>
             </a:fld>
             <a:endParaRPr lang="en-US"/>
           </a:p>
@@ -660,7 +665,7 @@
           <a:p>
             <a:fld id="{6A187DF8-8907-4C8A-A34F-FC0F6F288123}" type="datetimeFigureOut">
               <a:rPr lang="en-US" smtClean="0"/>
-              <a:t>4/18/2019</a:t>
+              <a:t>5/28/19</a:t>
             </a:fld>
             <a:endParaRPr lang="en-US"/>
           </a:p>
@@ -858,7 +863,7 @@
           <a:p>
             <a:fld id="{6A187DF8-8907-4C8A-A34F-FC0F6F288123}" type="datetimeFigureOut">
               <a:rPr lang="en-US" smtClean="0"/>
-              <a:t>4/18/2019</a:t>
+              <a:t>5/28/19</a:t>
             </a:fld>
             <a:endParaRPr lang="en-US"/>
           </a:p>
@@ -1133,7 +1138,7 @@
           <a:p>
             <a:fld id="{6A187DF8-8907-4C8A-A34F-FC0F6F288123}" type="datetimeFigureOut">
               <a:rPr lang="en-US" smtClean="0"/>
-              <a:t>4/18/2019</a:t>
+              <a:t>5/28/19</a:t>
             </a:fld>
             <a:endParaRPr lang="en-US"/>
           </a:p>
@@ -1398,7 +1403,7 @@
           <a:p>
             <a:fld id="{6A187DF8-8907-4C8A-A34F-FC0F6F288123}" type="datetimeFigureOut">
               <a:rPr lang="en-US" smtClean="0"/>
-              <a:t>4/18/2019</a:t>
+              <a:t>5/28/19</a:t>
             </a:fld>
             <a:endParaRPr lang="en-US"/>
           </a:p>
@@ -1810,7 +1815,7 @@
           <a:p>
             <a:fld id="{6A187DF8-8907-4C8A-A34F-FC0F6F288123}" type="datetimeFigureOut">
               <a:rPr lang="en-US" smtClean="0"/>
-              <a:t>4/18/2019</a:t>
+              <a:t>5/28/19</a:t>
             </a:fld>
             <a:endParaRPr lang="en-US"/>
           </a:p>
@@ -1951,7 +1956,7 @@
           <a:p>
             <a:fld id="{6A187DF8-8907-4C8A-A34F-FC0F6F288123}" type="datetimeFigureOut">
               <a:rPr lang="en-US" smtClean="0"/>
-              <a:t>4/18/2019</a:t>
+              <a:t>5/28/19</a:t>
             </a:fld>
             <a:endParaRPr lang="en-US"/>
           </a:p>
@@ -2064,7 +2069,7 @@
           <a:p>
             <a:fld id="{6A187DF8-8907-4C8A-A34F-FC0F6F288123}" type="datetimeFigureOut">
               <a:rPr lang="en-US" smtClean="0"/>
-              <a:t>4/18/2019</a:t>
+              <a:t>5/28/19</a:t>
             </a:fld>
             <a:endParaRPr lang="en-US"/>
           </a:p>
@@ -2375,7 +2380,7 @@
           <a:p>
             <a:fld id="{6A187DF8-8907-4C8A-A34F-FC0F6F288123}" type="datetimeFigureOut">
               <a:rPr lang="en-US" smtClean="0"/>
-              <a:t>4/18/2019</a:t>
+              <a:t>5/28/19</a:t>
             </a:fld>
             <a:endParaRPr lang="en-US"/>
           </a:p>
@@ -2663,7 +2668,7 @@
           <a:p>
             <a:fld id="{6A187DF8-8907-4C8A-A34F-FC0F6F288123}" type="datetimeFigureOut">
               <a:rPr lang="en-US" smtClean="0"/>
-              <a:t>4/18/2019</a:t>
+              <a:t>5/28/19</a:t>
             </a:fld>
             <a:endParaRPr lang="en-US"/>
           </a:p>
@@ -2904,7 +2909,7 @@
           <a:p>
             <a:fld id="{6A187DF8-8907-4C8A-A34F-FC0F6F288123}" type="datetimeFigureOut">
               <a:rPr lang="en-US" smtClean="0"/>
-              <a:t>4/18/2019</a:t>
+              <a:t>5/28/19</a:t>
             </a:fld>
             <a:endParaRPr lang="en-US"/>
           </a:p>
@@ -3342,7 +3347,7 @@
           <a:bodyPr/>
           <a:lstStyle/>
           <a:p>
-            <a:endParaRPr lang="en-US"/>
+            <a:endParaRPr lang="en-US" dirty="0"/>
           </a:p>
         </p:txBody>
       </p:sp>
@@ -3367,7 +3372,7 @@
           <a:bodyPr/>
           <a:lstStyle/>
           <a:p>
-            <a:endParaRPr lang="en-US"/>
+            <a:endParaRPr lang="en-US" dirty="0"/>
           </a:p>
         </p:txBody>
       </p:sp>
@@ -5228,7 +5233,20 @@
           <a:prstGeom prst="rect">
             <a:avLst/>
           </a:prstGeom>
+          <a:pattFill prst="pct50">
+            <a:fgClr>
+              <a:schemeClr val="bg2">
+                <a:lumMod val="90000"/>
+              </a:schemeClr>
+            </a:fgClr>
+            <a:bgClr>
+              <a:schemeClr val="bg1"/>
+            </a:bgClr>
+          </a:pattFill>
           <a:ln>
+            <a:solidFill>
+              <a:schemeClr val="tx1"/>
+            </a:solidFill>
             <a:headEnd type="none" w="med" len="med"/>
             <a:tailEnd type="none" w="med" len="med"/>
           </a:ln>
@@ -5272,7 +5290,7 @@
             <a:r>
               <a:rPr kumimoji="1" lang="zh-CN" altLang="en-US" sz="1400" dirty="0">
                 <a:solidFill>
-                  <a:schemeClr val="bg1"/>
+                  <a:schemeClr val="tx1"/>
                 </a:solidFill>
                 <a:ea typeface="Segoe UI" pitchFamily="34" charset="0"/>
                 <a:cs typeface="Segoe UI" pitchFamily="34" charset="0"/>
@@ -5468,7 +5486,20 @@
           <a:prstGeom prst="rect">
             <a:avLst/>
           </a:prstGeom>
+          <a:pattFill prst="pct50">
+            <a:fgClr>
+              <a:schemeClr val="bg2">
+                <a:lumMod val="90000"/>
+              </a:schemeClr>
+            </a:fgClr>
+            <a:bgClr>
+              <a:schemeClr val="bg1"/>
+            </a:bgClr>
+          </a:pattFill>
           <a:ln>
+            <a:solidFill>
+              <a:schemeClr val="tx1"/>
+            </a:solidFill>
             <a:headEnd type="none" w="med" len="med"/>
             <a:tailEnd type="none" w="med" len="med"/>
           </a:ln>
@@ -5512,7 +5543,7 @@
             <a:r>
               <a:rPr kumimoji="1" lang="zh-CN" altLang="en-US" sz="1400" dirty="0">
                 <a:solidFill>
-                  <a:schemeClr val="bg1"/>
+                  <a:schemeClr val="tx1"/>
                 </a:solidFill>
                 <a:ea typeface="Segoe UI" pitchFamily="34" charset="0"/>
                 <a:cs typeface="Segoe UI" pitchFamily="34" charset="0"/>
@@ -5697,7 +5728,20 @@
           <a:prstGeom prst="rect">
             <a:avLst/>
           </a:prstGeom>
+          <a:pattFill prst="pct50">
+            <a:fgClr>
+              <a:schemeClr val="bg2">
+                <a:lumMod val="90000"/>
+              </a:schemeClr>
+            </a:fgClr>
+            <a:bgClr>
+              <a:schemeClr val="bg1"/>
+            </a:bgClr>
+          </a:pattFill>
           <a:ln>
+            <a:solidFill>
+              <a:schemeClr val="tx1"/>
+            </a:solidFill>
             <a:headEnd type="none" w="med" len="med"/>
             <a:tailEnd type="none" w="med" len="med"/>
           </a:ln>
@@ -5741,7 +5785,7 @@
             <a:r>
               <a:rPr kumimoji="1" lang="zh-CN" altLang="en-US" sz="1400" dirty="0">
                 <a:solidFill>
-                  <a:schemeClr val="bg1"/>
+                  <a:schemeClr val="tx1"/>
                 </a:solidFill>
                 <a:ea typeface="Segoe UI" pitchFamily="34" charset="0"/>
                 <a:cs typeface="Segoe UI" pitchFamily="34" charset="0"/>
@@ -5928,7 +5972,20 @@
           <a:prstGeom prst="rect">
             <a:avLst/>
           </a:prstGeom>
+          <a:pattFill prst="pct50">
+            <a:fgClr>
+              <a:schemeClr val="bg2">
+                <a:lumMod val="90000"/>
+              </a:schemeClr>
+            </a:fgClr>
+            <a:bgClr>
+              <a:schemeClr val="bg1"/>
+            </a:bgClr>
+          </a:pattFill>
           <a:ln>
+            <a:solidFill>
+              <a:schemeClr val="tx1"/>
+            </a:solidFill>
             <a:headEnd type="none" w="med" len="med"/>
             <a:tailEnd type="none" w="med" len="med"/>
           </a:ln>
@@ -5972,7 +6029,7 @@
             <a:r>
               <a:rPr kumimoji="1" lang="zh-CN" altLang="en-US" sz="1400" dirty="0">
                 <a:solidFill>
-                  <a:schemeClr val="bg1"/>
+                  <a:schemeClr val="tx1"/>
                 </a:solidFill>
                 <a:ea typeface="Segoe UI" pitchFamily="34" charset="0"/>
                 <a:cs typeface="Segoe UI" pitchFamily="34" charset="0"/>
@@ -6236,7 +6293,20 @@
           <a:prstGeom prst="rect">
             <a:avLst/>
           </a:prstGeom>
+          <a:pattFill prst="pct50">
+            <a:fgClr>
+              <a:schemeClr val="bg2">
+                <a:lumMod val="90000"/>
+              </a:schemeClr>
+            </a:fgClr>
+            <a:bgClr>
+              <a:schemeClr val="bg1"/>
+            </a:bgClr>
+          </a:pattFill>
           <a:ln>
+            <a:solidFill>
+              <a:schemeClr val="tx1"/>
+            </a:solidFill>
             <a:headEnd type="none" w="med" len="med"/>
             <a:tailEnd type="none" w="med" len="med"/>
           </a:ln>
@@ -6280,7 +6350,7 @@
             <a:r>
               <a:rPr kumimoji="1" lang="zh-CN" altLang="en-US" dirty="0">
                 <a:solidFill>
-                  <a:schemeClr val="bg1"/>
+                  <a:schemeClr val="tx1"/>
                 </a:solidFill>
                 <a:ea typeface="Segoe UI" pitchFamily="34" charset="0"/>
                 <a:cs typeface="Segoe UI" pitchFamily="34" charset="0"/>
@@ -6310,7 +6380,20 @@
           <a:prstGeom prst="rect">
             <a:avLst/>
           </a:prstGeom>
+          <a:pattFill prst="pct50">
+            <a:fgClr>
+              <a:schemeClr val="bg2">
+                <a:lumMod val="90000"/>
+              </a:schemeClr>
+            </a:fgClr>
+            <a:bgClr>
+              <a:schemeClr val="bg1"/>
+            </a:bgClr>
+          </a:pattFill>
           <a:ln>
+            <a:solidFill>
+              <a:schemeClr val="tx1"/>
+            </a:solidFill>
             <a:headEnd type="none" w="med" len="med"/>
             <a:tailEnd type="none" w="med" len="med"/>
           </a:ln>
@@ -6354,7 +6437,7 @@
             <a:r>
               <a:rPr kumimoji="1" lang="zh-CN" altLang="en-US" dirty="0">
                 <a:solidFill>
-                  <a:schemeClr val="bg1"/>
+                  <a:schemeClr val="tx1"/>
                 </a:solidFill>
                 <a:ea typeface="Segoe UI" pitchFamily="34" charset="0"/>
                 <a:cs typeface="Segoe UI" pitchFamily="34" charset="0"/>
@@ -6543,7 +6626,20 @@
           <a:prstGeom prst="rect">
             <a:avLst/>
           </a:prstGeom>
+          <a:pattFill prst="pct50">
+            <a:fgClr>
+              <a:schemeClr val="bg2">
+                <a:lumMod val="90000"/>
+              </a:schemeClr>
+            </a:fgClr>
+            <a:bgClr>
+              <a:schemeClr val="bg1"/>
+            </a:bgClr>
+          </a:pattFill>
           <a:ln>
+            <a:solidFill>
+              <a:schemeClr val="tx1"/>
+            </a:solidFill>
             <a:headEnd type="none" w="med" len="med"/>
             <a:tailEnd type="none" w="med" len="med"/>
           </a:ln>
@@ -6587,7 +6683,7 @@
             <a:r>
               <a:rPr kumimoji="1" lang="zh-CN" altLang="en-US" dirty="0">
                 <a:solidFill>
-                  <a:schemeClr val="bg1"/>
+                  <a:schemeClr val="tx1"/>
                 </a:solidFill>
                 <a:ea typeface="Segoe UI" pitchFamily="34" charset="0"/>
                 <a:cs typeface="Segoe UI" pitchFamily="34" charset="0"/>
@@ -7251,19 +7347,22 @@
             <a:avLst/>
           </a:prstGeom>
           <a:ln>
+            <a:solidFill>
+              <a:srgbClr val="C00000"/>
+            </a:solidFill>
             <a:headEnd type="none" w="med" len="med"/>
             <a:tailEnd type="none" w="med" len="med"/>
           </a:ln>
         </p:spPr>
         <p:style>
           <a:lnRef idx="2">
-            <a:schemeClr val="accent6"/>
+            <a:schemeClr val="dk1"/>
           </a:lnRef>
           <a:fillRef idx="1">
             <a:schemeClr val="lt1"/>
           </a:fillRef>
           <a:effectRef idx="0">
-            <a:schemeClr val="accent6"/>
+            <a:schemeClr val="dk1"/>
           </a:effectRef>
           <a:fontRef idx="minor">
             <a:schemeClr val="dk1"/>
@@ -7320,6 +7419,9 @@
             <a:avLst/>
           </a:prstGeom>
           <a:noFill/>
+          <a:ln>
+            <a:noFill/>
+          </a:ln>
         </p:spPr>
         <p:txBody>
           <a:bodyPr wrap="none" lIns="182880" tIns="146304" rIns="182880" bIns="146304" rtlCol="0">
@@ -7336,7 +7438,7 @@
               </a:spcAft>
             </a:pPr>
             <a:r>
-              <a:rPr kumimoji="1" lang="zh-CN" altLang="en-US" sz="2400" dirty="0">
+              <a:rPr kumimoji="1" lang="zh-CN" altLang="en-US" sz="2400" b="1" dirty="0">
                 <a:solidFill>
                   <a:srgbClr val="C00000"/>
                 </a:solidFill>
@@ -7660,10 +7762,20 @@
           <a:prstGeom prst="rect">
             <a:avLst/>
           </a:prstGeom>
-          <a:solidFill>
-            <a:srgbClr val="C00000"/>
-          </a:solidFill>
+          <a:pattFill prst="wdDnDiag">
+            <a:fgClr>
+              <a:schemeClr val="bg2">
+                <a:lumMod val="90000"/>
+              </a:schemeClr>
+            </a:fgClr>
+            <a:bgClr>
+              <a:schemeClr val="bg1"/>
+            </a:bgClr>
+          </a:pattFill>
           <a:ln>
+            <a:solidFill>
+              <a:schemeClr val="tx1"/>
+            </a:solidFill>
             <a:headEnd type="none" w="med" len="med"/>
             <a:tailEnd type="none" w="med" len="med"/>
           </a:ln>
@@ -7705,9 +7817,9 @@
               </a:spcAft>
             </a:pPr>
             <a:r>
-              <a:rPr kumimoji="1" lang="zh-CN" altLang="en-US" sz="1400" dirty="0">
+              <a:rPr kumimoji="1" lang="zh-CN" altLang="en-US" sz="1400" b="1" dirty="0">
                 <a:solidFill>
-                  <a:schemeClr val="bg1"/>
+                  <a:schemeClr val="tx1"/>
                 </a:solidFill>
                 <a:ea typeface="Segoe UI" pitchFamily="34" charset="0"/>
                 <a:cs typeface="Segoe UI" pitchFamily="34" charset="0"/>
@@ -7737,10 +7849,20 @@
           <a:prstGeom prst="rect">
             <a:avLst/>
           </a:prstGeom>
-          <a:solidFill>
-            <a:srgbClr val="C00000"/>
-          </a:solidFill>
+          <a:pattFill prst="wdDnDiag">
+            <a:fgClr>
+              <a:schemeClr val="bg2">
+                <a:lumMod val="90000"/>
+              </a:schemeClr>
+            </a:fgClr>
+            <a:bgClr>
+              <a:schemeClr val="bg1"/>
+            </a:bgClr>
+          </a:pattFill>
           <a:ln>
+            <a:solidFill>
+              <a:schemeClr val="tx1"/>
+            </a:solidFill>
             <a:headEnd type="none" w="med" len="med"/>
             <a:tailEnd type="none" w="med" len="med"/>
           </a:ln>
@@ -7782,9 +7904,9 @@
               </a:spcAft>
             </a:pPr>
             <a:r>
-              <a:rPr kumimoji="1" lang="zh-CN" altLang="en-US" sz="1400" dirty="0">
+              <a:rPr kumimoji="1" lang="zh-CN" altLang="en-US" sz="1400" b="1" dirty="0">
                 <a:solidFill>
-                  <a:schemeClr val="bg1"/>
+                  <a:schemeClr val="tx1"/>
                 </a:solidFill>
                 <a:ea typeface="Segoe UI" pitchFamily="34" charset="0"/>
                 <a:cs typeface="Segoe UI" pitchFamily="34" charset="0"/>
